--- a/Dokumentation/Praesentation Design Review/rschmid_bachelorthesis_designreview_prasentation.pptx
+++ b/Dokumentation/Praesentation Design Review/rschmid_bachelorthesis_designreview_prasentation.pptx
@@ -127,7 +127,7 @@
   </p:defaultTextStyle>
   <p:extLst>
     <p:ext uri="{521415D9-36F7-43E2-AB2F-B90AF26B5E84}">
-      <p14:sectionLst xmlns:p14="http://schemas.microsoft.com/office/powerpoint/2010/main" xmlns="">
+      <p14:sectionLst xmlns="" xmlns:p14="http://schemas.microsoft.com/office/powerpoint/2010/main">
         <p14:section name="Standardabschnitt" id="{7B243079-01A6-9A43-9750-52463C0078DC}">
           <p14:sldIdLst>
             <p14:sldId id="256"/>
@@ -311,7 +311,7 @@
     </p:spTree>
     <p:extLst>
       <p:ext uri="{BB962C8B-B14F-4D97-AF65-F5344CB8AC3E}">
-        <p14:creationId xmlns:p14="http://schemas.microsoft.com/office/powerpoint/2010/main" xmlns="" val="1086538339"/>
+        <p14:creationId xmlns="" xmlns:p14="http://schemas.microsoft.com/office/powerpoint/2010/main" val="1086538339"/>
       </p:ext>
     </p:extLst>
   </p:cSld>
@@ -574,7 +574,7 @@
     </p:spTree>
     <p:extLst>
       <p:ext uri="{BB962C8B-B14F-4D97-AF65-F5344CB8AC3E}">
-        <p14:creationId xmlns:p14="http://schemas.microsoft.com/office/powerpoint/2010/main" xmlns="" val="1800126041"/>
+        <p14:creationId xmlns="" xmlns:p14="http://schemas.microsoft.com/office/powerpoint/2010/main" val="1800126041"/>
       </p:ext>
     </p:extLst>
   </p:cSld>
@@ -909,7 +909,7 @@
     </p:spTree>
     <p:extLst>
       <p:ext uri="{BB962C8B-B14F-4D97-AF65-F5344CB8AC3E}">
-        <p14:creationId xmlns:p14="http://schemas.microsoft.com/office/powerpoint/2010/main" xmlns="" val="3481939034"/>
+        <p14:creationId xmlns="" xmlns:p14="http://schemas.microsoft.com/office/powerpoint/2010/main" val="3481939034"/>
       </p:ext>
     </p:extLst>
   </p:cSld>
@@ -1086,7 +1086,7 @@
     </p:spTree>
     <p:extLst>
       <p:ext uri="{BB962C8B-B14F-4D97-AF65-F5344CB8AC3E}">
-        <p14:creationId xmlns:p14="http://schemas.microsoft.com/office/powerpoint/2010/main" xmlns="" val="586863889"/>
+        <p14:creationId xmlns="" xmlns:p14="http://schemas.microsoft.com/office/powerpoint/2010/main" val="586863889"/>
       </p:ext>
     </p:extLst>
   </p:cSld>
@@ -1273,7 +1273,7 @@
     </p:spTree>
     <p:extLst>
       <p:ext uri="{BB962C8B-B14F-4D97-AF65-F5344CB8AC3E}">
-        <p14:creationId xmlns:p14="http://schemas.microsoft.com/office/powerpoint/2010/main" xmlns="" val="3481408629"/>
+        <p14:creationId xmlns="" xmlns:p14="http://schemas.microsoft.com/office/powerpoint/2010/main" val="3481408629"/>
       </p:ext>
     </p:extLst>
   </p:cSld>
@@ -1450,7 +1450,7 @@
     </p:spTree>
     <p:extLst>
       <p:ext uri="{BB962C8B-B14F-4D97-AF65-F5344CB8AC3E}">
-        <p14:creationId xmlns:p14="http://schemas.microsoft.com/office/powerpoint/2010/main" xmlns="" val="1347152024"/>
+        <p14:creationId xmlns="" xmlns:p14="http://schemas.microsoft.com/office/powerpoint/2010/main" val="1347152024"/>
       </p:ext>
     </p:extLst>
   </p:cSld>
@@ -1699,7 +1699,7 @@
     </p:spTree>
     <p:extLst>
       <p:ext uri="{BB962C8B-B14F-4D97-AF65-F5344CB8AC3E}">
-        <p14:creationId xmlns:p14="http://schemas.microsoft.com/office/powerpoint/2010/main" xmlns="" val="4062453395"/>
+        <p14:creationId xmlns="" xmlns:p14="http://schemas.microsoft.com/office/powerpoint/2010/main" val="4062453395"/>
       </p:ext>
     </p:extLst>
   </p:cSld>
@@ -1994,7 +1994,7 @@
     </p:spTree>
     <p:extLst>
       <p:ext uri="{BB962C8B-B14F-4D97-AF65-F5344CB8AC3E}">
-        <p14:creationId xmlns:p14="http://schemas.microsoft.com/office/powerpoint/2010/main" xmlns="" val="3785861044"/>
+        <p14:creationId xmlns="" xmlns:p14="http://schemas.microsoft.com/office/powerpoint/2010/main" val="3785861044"/>
       </p:ext>
     </p:extLst>
   </p:cSld>
@@ -2423,7 +2423,7 @@
     </p:spTree>
     <p:extLst>
       <p:ext uri="{BB962C8B-B14F-4D97-AF65-F5344CB8AC3E}">
-        <p14:creationId xmlns:p14="http://schemas.microsoft.com/office/powerpoint/2010/main" xmlns="" val="462349177"/>
+        <p14:creationId xmlns="" xmlns:p14="http://schemas.microsoft.com/office/powerpoint/2010/main" val="462349177"/>
       </p:ext>
     </p:extLst>
   </p:cSld>
@@ -2548,7 +2548,7 @@
     </p:spTree>
     <p:extLst>
       <p:ext uri="{BB962C8B-B14F-4D97-AF65-F5344CB8AC3E}">
-        <p14:creationId xmlns:p14="http://schemas.microsoft.com/office/powerpoint/2010/main" xmlns="" val="1564851609"/>
+        <p14:creationId xmlns="" xmlns:p14="http://schemas.microsoft.com/office/powerpoint/2010/main" val="1564851609"/>
       </p:ext>
     </p:extLst>
   </p:cSld>
@@ -2650,7 +2650,7 @@
     </p:spTree>
     <p:extLst>
       <p:ext uri="{BB962C8B-B14F-4D97-AF65-F5344CB8AC3E}">
-        <p14:creationId xmlns:p14="http://schemas.microsoft.com/office/powerpoint/2010/main" xmlns="" val="63479136"/>
+        <p14:creationId xmlns="" xmlns:p14="http://schemas.microsoft.com/office/powerpoint/2010/main" val="63479136"/>
       </p:ext>
     </p:extLst>
   </p:cSld>
@@ -2934,7 +2934,7 @@
     </p:spTree>
     <p:extLst>
       <p:ext uri="{BB962C8B-B14F-4D97-AF65-F5344CB8AC3E}">
-        <p14:creationId xmlns:p14="http://schemas.microsoft.com/office/powerpoint/2010/main" xmlns="" val="2551175190"/>
+        <p14:creationId xmlns="" xmlns:p14="http://schemas.microsoft.com/office/powerpoint/2010/main" val="2551175190"/>
       </p:ext>
     </p:extLst>
   </p:cSld>
@@ -3194,7 +3194,7 @@
     </p:spTree>
     <p:extLst>
       <p:ext uri="{BB962C8B-B14F-4D97-AF65-F5344CB8AC3E}">
-        <p14:creationId xmlns:p14="http://schemas.microsoft.com/office/powerpoint/2010/main" xmlns="" val="2177690418"/>
+        <p14:creationId xmlns="" xmlns:p14="http://schemas.microsoft.com/office/powerpoint/2010/main" val="2177690418"/>
       </p:ext>
     </p:extLst>
   </p:cSld>
@@ -3450,7 +3450,7 @@
     </p:spTree>
     <p:extLst>
       <p:ext uri="{BB962C8B-B14F-4D97-AF65-F5344CB8AC3E}">
-        <p14:creationId xmlns:p14="http://schemas.microsoft.com/office/powerpoint/2010/main" xmlns="" val="1050626384"/>
+        <p14:creationId xmlns="" xmlns:p14="http://schemas.microsoft.com/office/powerpoint/2010/main" val="1050626384"/>
       </p:ext>
     </p:extLst>
   </p:cSld>
@@ -3847,7 +3847,7 @@
     <a:masterClrMapping/>
   </p:clrMapOvr>
   <mc:AlternateContent xmlns:mc="http://schemas.openxmlformats.org/markup-compatibility/2006">
-    <mc:Choice xmlns:p14="http://schemas.microsoft.com/office/powerpoint/2010/main" xmlns="" Requires="p14">
+    <mc:Choice xmlns="" xmlns:p14="http://schemas.microsoft.com/office/powerpoint/2010/main" Requires="p14">
       <p:transition spd="slow" p14:dur="2000"/>
     </mc:Choice>
     <mc:Fallback>
@@ -4018,11 +4018,7 @@
             </a:r>
             <a:r>
               <a:rPr lang="de-CH" dirty="0" smtClean="0"/>
-              <a:t> </a:t>
-            </a:r>
-            <a:r>
-              <a:rPr lang="de-CH" dirty="0" smtClean="0"/>
-              <a:t>Extension: </a:t>
+              <a:t> Extension: </a:t>
             </a:r>
             <a:r>
               <a:rPr lang="de-CH" dirty="0" err="1" smtClean="0"/>
@@ -4057,7 +4053,7 @@
       </p:sp>
       <p:pic>
         <p:nvPicPr>
-          <p:cNvPr id="4099" name="Picture 3"/>
+          <p:cNvPr id="1026" name="Picture 2"/>
           <p:cNvPicPr>
             <a:picLocks noChangeAspect="1" noChangeArrowheads="1"/>
           </p:cNvPicPr>
@@ -4072,8 +4068,8 @@
         </p:blipFill>
         <p:spPr bwMode="auto">
           <a:xfrm>
-            <a:off x="384809" y="1684338"/>
-            <a:ext cx="8301991" cy="3992561"/>
+            <a:off x="965201" y="1417638"/>
+            <a:ext cx="7056438" cy="4244636"/>
           </a:xfrm>
           <a:prstGeom prst="rect">
             <a:avLst/>
@@ -4140,11 +4136,7 @@
             </a:r>
             <a:r>
               <a:rPr lang="de-CH" dirty="0" smtClean="0"/>
-              <a:t> </a:t>
-            </a:r>
-            <a:r>
-              <a:rPr lang="de-CH" dirty="0" smtClean="0"/>
-              <a:t>Extension: </a:t>
+              <a:t> Extension: </a:t>
             </a:r>
             <a:r>
               <a:rPr lang="de-CH" dirty="0" err="1" smtClean="0"/>
@@ -5661,7 +5653,7 @@
     <a:masterClrMapping/>
   </p:clrMapOvr>
   <mc:AlternateContent xmlns:mc="http://schemas.openxmlformats.org/markup-compatibility/2006">
-    <mc:Choice xmlns:p14="http://schemas.microsoft.com/office/powerpoint/2010/main" xmlns="" Requires="p14">
+    <mc:Choice xmlns="" xmlns:p14="http://schemas.microsoft.com/office/powerpoint/2010/main" Requires="p14">
       <p:transition spd="slow" p14:dur="2000"/>
     </mc:Choice>
     <mc:Fallback>
@@ -6578,15 +6570,7 @@
                   <a:schemeClr val="bg1"/>
                 </a:solidFill>
               </a:rPr>
-              <a:t>3</a:t>
-            </a:r>
-            <a:r>
-              <a:rPr lang="de-CH" sz="2800" b="1" dirty="0" smtClean="0">
-                <a:solidFill>
-                  <a:schemeClr val="bg1"/>
-                </a:solidFill>
-              </a:rPr>
-              <a:t>.x</a:t>
+              <a:t>3.x</a:t>
             </a:r>
             <a:endParaRPr lang="en-US" b="1" dirty="0">
               <a:solidFill>
@@ -6659,15 +6643,7 @@
                   <a:schemeClr val="bg1"/>
                 </a:solidFill>
               </a:rPr>
-              <a:t>3</a:t>
-            </a:r>
-            <a:r>
-              <a:rPr lang="de-CH" sz="2800" b="1" dirty="0" smtClean="0">
-                <a:solidFill>
-                  <a:schemeClr val="bg1"/>
-                </a:solidFill>
-              </a:rPr>
-              <a:t>.x</a:t>
+              <a:t>3.x</a:t>
             </a:r>
             <a:endParaRPr lang="en-US" b="1" dirty="0">
               <a:solidFill>
@@ -6941,6 +6917,34 @@
                       <a:r>
                         <a:rPr lang="de-CH" sz="2000" dirty="0" err="1" smtClean="0"/>
                         <a:t>Tracker</a:t>
+                      </a:r>
+                      <a:endParaRPr lang="de-CH" sz="2000" dirty="0" smtClean="0"/>
+                    </a:p>
+                    <a:p>
+                      <a:pPr marL="0" marR="0" indent="0" algn="l" defTabSz="457200" rtl="0" eaLnBrk="1" fontAlgn="auto" latinLnBrk="0" hangingPunct="1">
+                        <a:lnSpc>
+                          <a:spcPct val="100000"/>
+                        </a:lnSpc>
+                        <a:spcBef>
+                          <a:spcPts val="0"/>
+                        </a:spcBef>
+                        <a:spcAft>
+                          <a:spcPts val="0"/>
+                        </a:spcAft>
+                        <a:buClrTx/>
+                        <a:buSzTx/>
+                        <a:buFontTx/>
+                        <a:buNone/>
+                        <a:tabLst/>
+                        <a:defRPr/>
+                      </a:pPr>
+                      <a:r>
+                        <a:rPr lang="de-CH" sz="2000" dirty="0" smtClean="0"/>
+                        <a:t>(noch</a:t>
+                      </a:r>
+                      <a:r>
+                        <a:rPr lang="de-CH" sz="2000" baseline="0" dirty="0" smtClean="0"/>
+                        <a:t> nicht in Betrieb)</a:t>
                       </a:r>
                       <a:endParaRPr lang="en-US" sz="2000" dirty="0" smtClean="0"/>
                     </a:p>
